--- a/02_03WhileLoopsCS152.pptx
+++ b/02_03WhileLoopsCS152.pptx
@@ -278,13 +278,6 @@
       <pc:docMkLst>
         <pc:docMk/>
       </pc:docMkLst>
-      <pc:sldChg chg="del">
-        <pc:chgData name="Marcia Moraes" userId="c9c67e8a-58e2-4733-9a1c-5d44fec4775b" providerId="ADAL" clId="{DF77E18F-1C4F-4126-A0F2-532E396CF802}" dt="2024-06-26T00:36:28.573" v="1197" actId="2696"/>
-        <pc:sldMkLst>
-          <pc:docMk/>
-          <pc:sldMk cId="0" sldId="261"/>
-        </pc:sldMkLst>
-      </pc:sldChg>
       <pc:sldChg chg="addSp delSp modSp del">
         <pc:chgData name="Marcia Moraes" userId="c9c67e8a-58e2-4733-9a1c-5d44fec4775b" providerId="ADAL" clId="{DF77E18F-1C4F-4126-A0F2-532E396CF802}" dt="2024-06-26T01:16:14.385" v="1389" actId="14100"/>
         <pc:sldMkLst>
@@ -392,13 +385,6 @@
           <pc:sldMk cId="0" sldId="304"/>
         </pc:sldMkLst>
       </pc:sldChg>
-      <pc:sldChg chg="del">
-        <pc:chgData name="Marcia Moraes" userId="c9c67e8a-58e2-4733-9a1c-5d44fec4775b" providerId="ADAL" clId="{DF77E18F-1C4F-4126-A0F2-532E396CF802}" dt="2024-06-26T00:38:15.228" v="1199" actId="2696"/>
-        <pc:sldMkLst>
-          <pc:docMk/>
-          <pc:sldMk cId="1686460947" sldId="305"/>
-        </pc:sldMkLst>
-      </pc:sldChg>
       <pc:sldChg chg="delSp modSp add delAnim">
         <pc:chgData name="Marcia Moraes" userId="c9c67e8a-58e2-4733-9a1c-5d44fec4775b" providerId="ADAL" clId="{DF77E18F-1C4F-4126-A0F2-532E396CF802}" dt="2024-06-26T01:16:49.444" v="1390" actId="478"/>
         <pc:sldMkLst>
@@ -450,6 +436,30 @@
             <pc:docMk/>
             <pc:sldMk cId="1661768582" sldId="308"/>
             <ac:spMk id="2" creationId="{84C0EF4A-2C3E-194F-B62B-FF48FC1462D9}"/>
+          </ac:spMkLst>
+        </pc:spChg>
+      </pc:sldChg>
+    </pc:docChg>
+  </pc:docChgLst>
+  <pc:docChgLst>
+    <pc:chgData name="Marcia Moraes" userId="c9c67e8a-58e2-4733-9a1c-5d44fec4775b" providerId="ADAL" clId="{21A3DC29-35E0-4A8F-BE57-5E4EBE53EFD1}"/>
+    <pc:docChg chg="custSel modSld">
+      <pc:chgData name="Marcia Moraes" userId="c9c67e8a-58e2-4733-9a1c-5d44fec4775b" providerId="ADAL" clId="{21A3DC29-35E0-4A8F-BE57-5E4EBE53EFD1}" dt="2024-08-23T17:43:21.781" v="75" actId="20577"/>
+      <pc:docMkLst>
+        <pc:docMk/>
+      </pc:docMkLst>
+      <pc:sldChg chg="modSp">
+        <pc:chgData name="Marcia Moraes" userId="c9c67e8a-58e2-4733-9a1c-5d44fec4775b" providerId="ADAL" clId="{21A3DC29-35E0-4A8F-BE57-5E4EBE53EFD1}" dt="2024-08-23T17:43:21.781" v="75" actId="20577"/>
+        <pc:sldMkLst>
+          <pc:docMk/>
+          <pc:sldMk cId="0" sldId="286"/>
+        </pc:sldMkLst>
+        <pc:spChg chg="mod">
+          <ac:chgData name="Marcia Moraes" userId="c9c67e8a-58e2-4733-9a1c-5d44fec4775b" providerId="ADAL" clId="{21A3DC29-35E0-4A8F-BE57-5E4EBE53EFD1}" dt="2024-08-23T17:43:21.781" v="75" actId="20577"/>
+          <ac:spMkLst>
+            <pc:docMk/>
+            <pc:sldMk cId="0" sldId="286"/>
+            <ac:spMk id="6" creationId="{BBA84413-A189-4E45-8BC1-0BAF8D04460A}"/>
           </ac:spMkLst>
         </pc:spChg>
       </pc:sldChg>
@@ -21678,6 +21688,17 @@
               <a:rPr lang="en-US" sz="1800" dirty="0"/>
               <a:t>Write some test cases for this function.</a:t>
             </a:r>
+          </a:p>
+          <a:p>
+            <a:r>
+              <a:rPr lang="en-US" sz="1800" dirty="0"/>
+              <a:t>Post your answers in our Attendance assignment for </a:t>
+            </a:r>
+            <a:r>
+              <a:rPr lang="en-US" sz="1800"/>
+              <a:t>today’s class</a:t>
+            </a:r>
+            <a:endParaRPr lang="en-US" sz="1800" dirty="0"/>
           </a:p>
         </p:txBody>
       </p:sp>
@@ -28142,11 +28163,12 @@
 </file>
 
 <file path=customXml/item1.xml><?xml version="1.0" encoding="utf-8"?>
-<p:properties xmlns:p="http://schemas.microsoft.com/office/2006/metadata/properties" xmlns:xsi="http://www.w3.org/2001/XMLSchema-instance" xmlns:pc="http://schemas.microsoft.com/office/infopath/2007/PartnerControls">
-  <documentManagement>
-    <_activity xmlns="92c41bee-f0ee-4aa6-9399-a35fbb883510" xsi:nil="true"/>
-  </documentManagement>
-</p:properties>
+<?mso-contentType ?>
+<FormTemplates xmlns="http://schemas.microsoft.com/sharepoint/v3/contenttype/forms">
+  <Display>DocumentLibraryForm</Display>
+  <Edit>DocumentLibraryForm</Edit>
+  <New>DocumentLibraryForm</New>
+</FormTemplates>
 </file>
 
 <file path=customXml/item2.xml><?xml version="1.0" encoding="utf-8"?>
@@ -28403,27 +28425,17 @@
 </file>
 
 <file path=customXml/item3.xml><?xml version="1.0" encoding="utf-8"?>
-<?mso-contentType ?>
-<FormTemplates xmlns="http://schemas.microsoft.com/sharepoint/v3/contenttype/forms">
-  <Display>DocumentLibraryForm</Display>
-  <Edit>DocumentLibraryForm</Edit>
-  <New>DocumentLibraryForm</New>
-</FormTemplates>
+<p:properties xmlns:p="http://schemas.microsoft.com/office/2006/metadata/properties" xmlns:xsi="http://www.w3.org/2001/XMLSchema-instance" xmlns:pc="http://schemas.microsoft.com/office/infopath/2007/PartnerControls">
+  <documentManagement>
+    <_activity xmlns="92c41bee-f0ee-4aa6-9399-a35fbb883510" xsi:nil="true"/>
+  </documentManagement>
+</p:properties>
 </file>
 
 <file path=customXml/itemProps1.xml><?xml version="1.0" encoding="utf-8"?>
-<ds:datastoreItem xmlns:ds="http://schemas.openxmlformats.org/officeDocument/2006/customXml" ds:itemID="{05D3EE4C-68D3-4BA3-94E6-383E2DFDD168}">
+<ds:datastoreItem xmlns:ds="http://schemas.openxmlformats.org/officeDocument/2006/customXml" ds:itemID="{ECBA097B-6123-4B8A-8BF9-8745C25437D5}">
   <ds:schemaRefs>
-    <ds:schemaRef ds:uri="http://purl.org/dc/elements/1.1/"/>
-    <ds:schemaRef ds:uri="http://schemas.microsoft.com/office/infopath/2007/PartnerControls"/>
-    <ds:schemaRef ds:uri="http://schemas.microsoft.com/office/2006/documentManagement/types"/>
-    <ds:schemaRef ds:uri="http://schemas.openxmlformats.org/package/2006/metadata/core-properties"/>
-    <ds:schemaRef ds:uri="http://purl.org/dc/dcmitype/"/>
-    <ds:schemaRef ds:uri="http://schemas.microsoft.com/office/2006/metadata/properties"/>
-    <ds:schemaRef ds:uri="e06ed288-fd75-4b50-bbed-f5a5df88c31c"/>
-    <ds:schemaRef ds:uri="92c41bee-f0ee-4aa6-9399-a35fbb883510"/>
-    <ds:schemaRef ds:uri="http://www.w3.org/XML/1998/namespace"/>
-    <ds:schemaRef ds:uri="http://purl.org/dc/terms/"/>
+    <ds:schemaRef ds:uri="http://schemas.microsoft.com/sharepoint/v3/contenttype/forms"/>
   </ds:schemaRefs>
 </ds:datastoreItem>
 </file>
@@ -28448,9 +28460,18 @@
 </file>
 
 <file path=customXml/itemProps3.xml><?xml version="1.0" encoding="utf-8"?>
-<ds:datastoreItem xmlns:ds="http://schemas.openxmlformats.org/officeDocument/2006/customXml" ds:itemID="{ECBA097B-6123-4B8A-8BF9-8745C25437D5}">
+<ds:datastoreItem xmlns:ds="http://schemas.openxmlformats.org/officeDocument/2006/customXml" ds:itemID="{05D3EE4C-68D3-4BA3-94E6-383E2DFDD168}">
   <ds:schemaRefs>
-    <ds:schemaRef ds:uri="http://schemas.microsoft.com/sharepoint/v3/contenttype/forms"/>
+    <ds:schemaRef ds:uri="http://www.w3.org/XML/1998/namespace"/>
+    <ds:schemaRef ds:uri="http://purl.org/dc/elements/1.1/"/>
+    <ds:schemaRef ds:uri="92c41bee-f0ee-4aa6-9399-a35fbb883510"/>
+    <ds:schemaRef ds:uri="http://schemas.microsoft.com/office/2006/documentManagement/types"/>
+    <ds:schemaRef ds:uri="http://purl.org/dc/terms/"/>
+    <ds:schemaRef ds:uri="http://schemas.microsoft.com/office/infopath/2007/PartnerControls"/>
+    <ds:schemaRef ds:uri="http://schemas.microsoft.com/office/2006/metadata/properties"/>
+    <ds:schemaRef ds:uri="http://schemas.openxmlformats.org/package/2006/metadata/core-properties"/>
+    <ds:schemaRef ds:uri="e06ed288-fd75-4b50-bbed-f5a5df88c31c"/>
+    <ds:schemaRef ds:uri="http://purl.org/dc/dcmitype/"/>
   </ds:schemaRefs>
 </ds:datastoreItem>
 </file>